--- a/Casomira/Prezentace casomiry.pptx
+++ b/Casomira/Prezentace casomiry.pptx
@@ -5,10 +5,10 @@
     <p:sldMasterId id="2147483648" r:id="rId1"/>
   </p:sldMasterIdLst>
   <p:notesMasterIdLst>
-    <p:notesMasterId r:id="rId11"/>
+    <p:notesMasterId r:id="rId12"/>
   </p:notesMasterIdLst>
   <p:handoutMasterIdLst>
-    <p:handoutMasterId r:id="rId12"/>
+    <p:handoutMasterId r:id="rId13"/>
   </p:handoutMasterIdLst>
   <p:sldIdLst>
     <p:sldId id="256" r:id="rId2"/>
@@ -17,9 +17,10 @@
     <p:sldId id="260" r:id="rId5"/>
     <p:sldId id="261" r:id="rId6"/>
     <p:sldId id="283" r:id="rId7"/>
-    <p:sldId id="265" r:id="rId8"/>
-    <p:sldId id="276" r:id="rId9"/>
-    <p:sldId id="277" r:id="rId10"/>
+    <p:sldId id="284" r:id="rId8"/>
+    <p:sldId id="265" r:id="rId9"/>
+    <p:sldId id="276" r:id="rId10"/>
+    <p:sldId id="277" r:id="rId11"/>
   </p:sldIdLst>
   <p:sldSz cx="12192000" cy="6858000"/>
   <p:notesSz cx="6858000" cy="9144000"/>
@@ -241,7 +242,7 @@
             <a:pPr rtl="0"/>
             <a:fld id="{CD6AFFCB-A8ED-4ED3-A004-013A5646E7CA}" type="datetime1">
               <a:rPr lang="cs-CZ" smtClean="0"/>
-              <a:t>16.03.2020</a:t>
+              <a:t>17.03.2020</a:t>
             </a:fld>
             <a:endParaRPr lang="cs-CZ" dirty="0"/>
           </a:p>
@@ -423,7 +424,7 @@
             <a:fld id="{49E1D057-8612-4709-B1D6-5C5D275AECD9}" type="datetime1">
               <a:rPr lang="cs-CZ" smtClean="0"/>
               <a:pPr/>
-              <a:t>16.03.2020</a:t>
+              <a:t>17.03.2020</a:t>
             </a:fld>
             <a:endParaRPr lang="cs-CZ" dirty="0"/>
           </a:p>
@@ -783,6 +784,92 @@
 </p:notes>
 </file>
 
+<file path=ppt/notesSlides/notesSlide10.xml><?xml version="1.0" encoding="utf-8"?>
+<p:notes xmlns:a="http://schemas.openxmlformats.org/drawingml/2006/main" xmlns:r="http://schemas.openxmlformats.org/officeDocument/2006/relationships" xmlns:p="http://schemas.openxmlformats.org/presentationml/2006/main">
+  <p:cSld>
+    <p:spTree>
+      <p:nvGrpSpPr>
+        <p:cNvPr id="1" name=""/>
+        <p:cNvGrpSpPr/>
+        <p:nvPr/>
+      </p:nvGrpSpPr>
+      <p:grpSpPr>
+        <a:xfrm>
+          <a:off x="0" y="0"/>
+          <a:ext cx="0" cy="0"/>
+          <a:chOff x="0" y="0"/>
+          <a:chExt cx="0" cy="0"/>
+        </a:xfrm>
+      </p:grpSpPr>
+      <p:sp>
+        <p:nvSpPr>
+          <p:cNvPr id="2" name="Zástupný symbol obrázku snímku 1"/>
+          <p:cNvSpPr>
+            <a:spLocks noGrp="1" noRot="1" noChangeAspect="1"/>
+          </p:cNvSpPr>
+          <p:nvPr>
+            <p:ph type="sldImg"/>
+          </p:nvPr>
+        </p:nvSpPr>
+        <p:spPr/>
+      </p:sp>
+      <p:sp>
+        <p:nvSpPr>
+          <p:cNvPr id="3" name="Zástupný symbol pro poznámky 2"/>
+          <p:cNvSpPr>
+            <a:spLocks noGrp="1"/>
+          </p:cNvSpPr>
+          <p:nvPr>
+            <p:ph type="body" idx="1"/>
+          </p:nvPr>
+        </p:nvSpPr>
+        <p:spPr/>
+        <p:txBody>
+          <a:bodyPr rtlCol="0"/>
+          <a:lstStyle/>
+          <a:p>
+            <a:pPr rtl="0"/>
+            <a:endParaRPr lang="cs-CZ" dirty="0"/>
+          </a:p>
+        </p:txBody>
+      </p:sp>
+      <p:sp>
+        <p:nvSpPr>
+          <p:cNvPr id="4" name="Zástupný symbol pro číslo snímku 3"/>
+          <p:cNvSpPr>
+            <a:spLocks noGrp="1"/>
+          </p:cNvSpPr>
+          <p:nvPr>
+            <p:ph type="sldNum" sz="quarter" idx="10"/>
+          </p:nvPr>
+        </p:nvSpPr>
+        <p:spPr/>
+        <p:txBody>
+          <a:bodyPr rtlCol="0"/>
+          <a:lstStyle/>
+          <a:p>
+            <a:pPr rtl="0"/>
+            <a:fld id="{6FC40A10-6036-4879-816D-55C01FC94846}" type="slidenum">
+              <a:rPr lang="cs-CZ" smtClean="0"/>
+              <a:t>10</a:t>
+            </a:fld>
+            <a:endParaRPr lang="cs-CZ" dirty="0"/>
+          </a:p>
+        </p:txBody>
+      </p:sp>
+    </p:spTree>
+    <p:extLst>
+      <p:ext uri="{BB962C8B-B14F-4D97-AF65-F5344CB8AC3E}">
+        <p14:creationId xmlns:p14="http://schemas.microsoft.com/office/powerpoint/2010/main" val="1532488570"/>
+      </p:ext>
+    </p:extLst>
+  </p:cSld>
+  <p:clrMapOvr>
+    <a:masterClrMapping/>
+  </p:clrMapOvr>
+</p:notes>
+</file>
+
 <file path=ppt/notesSlides/notesSlide2.xml><?xml version="1.0" encoding="utf-8"?>
 <p:notes xmlns:a="http://schemas.openxmlformats.org/drawingml/2006/main" xmlns:r="http://schemas.openxmlformats.org/officeDocument/2006/relationships" xmlns:p="http://schemas.openxmlformats.org/presentationml/2006/main">
   <p:cSld>
@@ -1202,7 +1289,7 @@
             </a:r>
             <a:r>
               <a:rPr lang="cs-CZ" dirty="0"/>
-              <a:t>. A na krajích je vypsaná soupiska týmu, ze které bude fungovat „</a:t>
+              <a:t>. A na krajích je vypsaná soupiska týmu. Přidávat se do ní bude pomocí tlačítka které se bude posouvat niž a niž s přibývajícími hráči. Bude obsahovat jméno hráče a číslo. Ze soupisky bude fungovat „</a:t>
             </a:r>
             <a:r>
               <a:rPr lang="cs-CZ" dirty="0" err="1"/>
@@ -1210,7 +1297,7 @@
             </a:r>
             <a:r>
               <a:rPr lang="cs-CZ" dirty="0"/>
-              <a:t> and drop“ na oba druhy vyloučení. Myslím že toto rozložení je i pro nováčky lehce rozpoznatelné.</a:t>
+              <a:t> and drop“ na oba druhy vyloučení. Myslím že toto rozložení je i pro nováčky lehce rozpoznatelné. V horní části bude ještě menu, které jsem nedělal do náhledu. Menu bude mít dvě hlavní menu, které se bude dále větvit.</a:t>
             </a:r>
           </a:p>
         </p:txBody>
@@ -1271,7 +1358,7 @@
       </p:grpSpPr>
       <p:sp>
         <p:nvSpPr>
-          <p:cNvPr id="2" name="Zástupný symbol obrázku snímku 1"/>
+          <p:cNvPr id="2" name="Zástupný symbol pro obrázek snímku 1"/>
           <p:cNvSpPr>
             <a:spLocks noGrp="1" noRot="1" noChangeAspect="1"/>
           </p:cNvSpPr>
@@ -1293,21 +1380,12 @@
         </p:nvSpPr>
         <p:spPr/>
         <p:txBody>
-          <a:bodyPr rtlCol="0"/>
+          <a:bodyPr/>
           <a:lstStyle/>
           <a:p>
-            <a:pPr rtl="0"/>
             <a:r>
               <a:rPr lang="cs-CZ" dirty="0"/>
-              <a:t>Výhody mojí aplikace oproti jiným aplikacím se snaží vycházet z mých poznatků o časomírách jako takových. Snažil jsem se všechny špatné vlastnosti odstranit a udělat aplikace jen s pozitivními vlastnostmi. Aplikace je především vhodná pro nižší florbalové ligy, respektive nehodí se na extraligu, kde jsou požadavky drobet jiné. Moje aplikace má 4 hlavní výhody oproti časomírám co jsem kdy viděl: možnost ukládání, aplikace bude stabilní a nebude „padat“, aplikace je rychlá, nulová prodleva (např. u </a:t>
-            </a:r>
-            <a:r>
-              <a:rPr lang="cs-CZ" dirty="0" err="1"/>
-              <a:t>spouštení</a:t>
-            </a:r>
-            <a:r>
-              <a:rPr lang="cs-CZ" dirty="0"/>
-              <a:t> a stopování času) a přehlednost aplikace a její jednoduché používání.</a:t>
+              <a:t>Toto je třetí okno, kde se bude využívat tabulka pro výpis uložených zápasů. Výpis bude jednoduchý, jen jména obou týmů a jejich skóre.</a:t>
             </a:r>
           </a:p>
         </p:txBody>
@@ -1319,27 +1397,27 @@
             <a:spLocks noGrp="1"/>
           </p:cNvSpPr>
           <p:nvPr>
-            <p:ph type="sldNum" sz="quarter" idx="10"/>
+            <p:ph type="sldNum" sz="quarter" idx="5"/>
           </p:nvPr>
         </p:nvSpPr>
         <p:spPr/>
         <p:txBody>
-          <a:bodyPr rtlCol="0"/>
+          <a:bodyPr/>
           <a:lstStyle/>
           <a:p>
             <a:pPr rtl="0"/>
             <a:fld id="{6FC40A10-6036-4879-816D-55C01FC94846}" type="slidenum">
-              <a:rPr lang="cs-CZ" smtClean="0"/>
+              <a:rPr lang="cs-CZ" noProof="0" smtClean="0"/>
               <a:t>7</a:t>
             </a:fld>
-            <a:endParaRPr lang="cs-CZ"/>
+            <a:endParaRPr lang="cs-CZ" noProof="0" dirty="0"/>
           </a:p>
         </p:txBody>
       </p:sp>
     </p:spTree>
     <p:extLst>
       <p:ext uri="{BB962C8B-B14F-4D97-AF65-F5344CB8AC3E}">
-        <p14:creationId xmlns:p14="http://schemas.microsoft.com/office/powerpoint/2010/main" val="1004597781"/>
+        <p14:creationId xmlns:p14="http://schemas.microsoft.com/office/powerpoint/2010/main" val="2370532685"/>
       </p:ext>
     </p:extLst>
   </p:cSld>
@@ -1396,7 +1474,15 @@
             <a:pPr rtl="0"/>
             <a:r>
               <a:rPr lang="cs-CZ" dirty="0"/>
-              <a:t>“Rekapitulace všech bodů ze slidu“ (podle času)</a:t>
+              <a:t>Výhody mojí aplikace oproti jiným aplikacím se snaží vycházet z mých poznatků o časomírách jako takových. Snažil jsem se všechny špatné vlastnosti odstranit a udělat aplikace jen s pozitivními vlastnostmi. Aplikace je především vhodná pro nižší florbalové ligy, respektive nehodí se na extraligu, kde jsou požadavky drobet jiné. Moje aplikace má 4 hlavní výhody oproti časomírám co jsem kdy viděl: možnost ukládání, aplikace bude stabilní a nebude „padat“, aplikace je rychlá, nulová prodleva (např. u </a:t>
+            </a:r>
+            <a:r>
+              <a:rPr lang="cs-CZ" dirty="0" err="1"/>
+              <a:t>spouštení</a:t>
+            </a:r>
+            <a:r>
+              <a:rPr lang="cs-CZ" dirty="0"/>
+              <a:t> a stopování času) a přehlednost aplikace a její jednoduché používání. Uložené zápasy se budou pomocí tabulky vypisovat.</a:t>
             </a:r>
           </a:p>
         </p:txBody>
@@ -1421,14 +1507,14 @@
               <a:rPr lang="cs-CZ" smtClean="0"/>
               <a:t>8</a:t>
             </a:fld>
-            <a:endParaRPr lang="cs-CZ" dirty="0"/>
+            <a:endParaRPr lang="cs-CZ"/>
           </a:p>
         </p:txBody>
       </p:sp>
     </p:spTree>
     <p:extLst>
       <p:ext uri="{BB962C8B-B14F-4D97-AF65-F5344CB8AC3E}">
-        <p14:creationId xmlns:p14="http://schemas.microsoft.com/office/powerpoint/2010/main" val="3916594054"/>
+        <p14:creationId xmlns:p14="http://schemas.microsoft.com/office/powerpoint/2010/main" val="1004597781"/>
       </p:ext>
     </p:extLst>
   </p:cSld>
@@ -1483,7 +1569,10 @@
           <a:lstStyle/>
           <a:p>
             <a:pPr rtl="0"/>
-            <a:endParaRPr lang="cs-CZ" dirty="0"/>
+            <a:r>
+              <a:rPr lang="cs-CZ" dirty="0"/>
+              <a:t>“Rekapitulace všech bodů ze slidu“ (podle času)</a:t>
+            </a:r>
           </a:p>
         </p:txBody>
       </p:sp>
@@ -1514,7 +1603,7 @@
     </p:spTree>
     <p:extLst>
       <p:ext uri="{BB962C8B-B14F-4D97-AF65-F5344CB8AC3E}">
-        <p14:creationId xmlns:p14="http://schemas.microsoft.com/office/powerpoint/2010/main" val="1532488570"/>
+        <p14:creationId xmlns:p14="http://schemas.microsoft.com/office/powerpoint/2010/main" val="3916594054"/>
       </p:ext>
     </p:extLst>
   </p:cSld>
@@ -44895,6 +44984,153 @@
 </p:sld>
 </file>
 
+<file path=ppt/slides/slide10.xml><?xml version="1.0" encoding="utf-8"?>
+<p:sld xmlns:a="http://schemas.openxmlformats.org/drawingml/2006/main" xmlns:r="http://schemas.openxmlformats.org/officeDocument/2006/relationships" xmlns:p="http://schemas.openxmlformats.org/presentationml/2006/main">
+  <p:cSld>
+    <p:spTree>
+      <p:nvGrpSpPr>
+        <p:cNvPr id="1" name=""/>
+        <p:cNvGrpSpPr/>
+        <p:nvPr/>
+      </p:nvGrpSpPr>
+      <p:grpSpPr>
+        <a:xfrm>
+          <a:off x="0" y="0"/>
+          <a:ext cx="0" cy="0"/>
+          <a:chOff x="0" y="0"/>
+          <a:chExt cx="0" cy="0"/>
+        </a:xfrm>
+      </p:grpSpPr>
+      <p:sp>
+        <p:nvSpPr>
+          <p:cNvPr id="6" name="Nadpis 5">
+            <a:extLst>
+              <a:ext uri="{FF2B5EF4-FFF2-40B4-BE49-F238E27FC236}">
+                <a16:creationId xmlns:a16="http://schemas.microsoft.com/office/drawing/2014/main" id="{D2F9A33A-E955-4DFB-9469-3FDBA6703985}"/>
+              </a:ext>
+            </a:extLst>
+          </p:cNvPr>
+          <p:cNvSpPr>
+            <a:spLocks noGrp="1"/>
+          </p:cNvSpPr>
+          <p:nvPr>
+            <p:ph type="title"/>
+          </p:nvPr>
+        </p:nvSpPr>
+        <p:spPr>
+          <a:xfrm>
+            <a:off x="564700" y="205475"/>
+            <a:ext cx="4846923" cy="1507462"/>
+          </a:xfrm>
+        </p:spPr>
+        <p:txBody>
+          <a:bodyPr rtlCol="0"/>
+          <a:lstStyle/>
+          <a:p>
+            <a:pPr rtl="0"/>
+            <a:r>
+              <a:rPr lang="cs-CZ" sz="5000" dirty="0"/>
+              <a:t>DĚKUJI ZA POZORNOST!</a:t>
+            </a:r>
+          </a:p>
+        </p:txBody>
+      </p:sp>
+      <p:sp>
+        <p:nvSpPr>
+          <p:cNvPr id="7" name="Zástupný symbol pro text 6">
+            <a:extLst>
+              <a:ext uri="{FF2B5EF4-FFF2-40B4-BE49-F238E27FC236}">
+                <a16:creationId xmlns:a16="http://schemas.microsoft.com/office/drawing/2014/main" id="{58804881-51D2-4A81-BABB-704FBED23EB9}"/>
+              </a:ext>
+            </a:extLst>
+          </p:cNvPr>
+          <p:cNvSpPr>
+            <a:spLocks noGrp="1"/>
+          </p:cNvSpPr>
+          <p:nvPr>
+            <p:ph type="body" sz="quarter" idx="15"/>
+          </p:nvPr>
+        </p:nvSpPr>
+        <p:spPr>
+          <a:xfrm>
+            <a:off x="831850" y="1953250"/>
+            <a:ext cx="4586288" cy="509472"/>
+          </a:xfrm>
+        </p:spPr>
+        <p:txBody>
+          <a:bodyPr rtlCol="0"/>
+          <a:lstStyle/>
+          <a:p>
+            <a:pPr rtl="0"/>
+            <a:r>
+              <a:rPr lang="cs-CZ" dirty="0"/>
+              <a:t>Jan Pelikán</a:t>
+            </a:r>
+          </a:p>
+        </p:txBody>
+      </p:sp>
+      <p:pic>
+        <p:nvPicPr>
+          <p:cNvPr id="15" name="Zástupný symbol obrázku 14" descr="Abstraktní pozadí">
+            <a:extLst>
+              <a:ext uri="{FF2B5EF4-FFF2-40B4-BE49-F238E27FC236}">
+                <a16:creationId xmlns:a16="http://schemas.microsoft.com/office/drawing/2014/main" id="{72AD0CC3-F8DE-4C10-916A-24BC65B1D283}"/>
+              </a:ext>
+            </a:extLst>
+          </p:cNvPr>
+          <p:cNvPicPr>
+            <a:picLocks noGrp="1" noChangeAspect="1"/>
+          </p:cNvPicPr>
+          <p:nvPr>
+            <p:ph type="pic" sz="quarter" idx="22"/>
+          </p:nvPr>
+        </p:nvPicPr>
+        <p:blipFill>
+          <a:blip r:embed="rId3">
+            <a:extLst>
+              <a:ext uri="{28A0092B-C50C-407E-A947-70E740481C1C}">
+                <a14:useLocalDpi xmlns:a14="http://schemas.microsoft.com/office/drawing/2010/main" val="0"/>
+              </a:ext>
+            </a:extLst>
+          </a:blip>
+          <a:srcRect/>
+          <a:stretch>
+            <a:fillRect/>
+          </a:stretch>
+        </p:blipFill>
+        <p:spPr/>
+      </p:pic>
+      <p:sp>
+        <p:nvSpPr>
+          <p:cNvPr id="4" name="Zástupný symbol obrázku 3">
+            <a:extLst>
+              <a:ext uri="{FF2B5EF4-FFF2-40B4-BE49-F238E27FC236}">
+                <a16:creationId xmlns:a16="http://schemas.microsoft.com/office/drawing/2014/main" id="{CEB25998-FC5F-47DD-A4C3-4C0B1CF6F01D}"/>
+              </a:ext>
+            </a:extLst>
+          </p:cNvPr>
+          <p:cNvSpPr>
+            <a:spLocks noGrp="1"/>
+          </p:cNvSpPr>
+          <p:nvPr>
+            <p:ph type="pic" sz="quarter" idx="13"/>
+          </p:nvPr>
+        </p:nvSpPr>
+        <p:spPr/>
+      </p:sp>
+    </p:spTree>
+    <p:extLst>
+      <p:ext uri="{BB962C8B-B14F-4D97-AF65-F5344CB8AC3E}">
+        <p14:creationId xmlns:p14="http://schemas.microsoft.com/office/powerpoint/2010/main" val="2695672276"/>
+      </p:ext>
+    </p:extLst>
+  </p:cSld>
+  <p:clrMapOvr>
+    <a:masterClrMapping/>
+  </p:clrMapOvr>
+</p:sld>
+</file>
+
 <file path=ppt/slides/slide2.xml><?xml version="1.0" encoding="utf-8"?>
 <p:sld xmlns:a="http://schemas.openxmlformats.org/drawingml/2006/main" xmlns:r="http://schemas.openxmlformats.org/officeDocument/2006/relationships" xmlns:p="http://schemas.openxmlformats.org/presentationml/2006/main">
   <p:cSld>
@@ -46496,10 +46732,10 @@
       </p:grpSpPr>
       <p:sp>
         <p:nvSpPr>
-          <p:cNvPr id="4" name="Zástupný symbol pro datum 3">
-            <a:extLst>
-              <a:ext uri="{FF2B5EF4-FFF2-40B4-BE49-F238E27FC236}">
-                <a16:creationId xmlns:a16="http://schemas.microsoft.com/office/drawing/2014/main" id="{0BA396AE-BE46-43FB-B4E7-224D2AF39F83}"/>
+          <p:cNvPr id="2" name="Zástupný symbol pro datum 1">
+            <a:extLst>
+              <a:ext uri="{FF2B5EF4-FFF2-40B4-BE49-F238E27FC236}">
+                <a16:creationId xmlns:a16="http://schemas.microsoft.com/office/drawing/2014/main" id="{CB1C8E26-D511-4C83-8A49-975633A8A58E}"/>
               </a:ext>
             </a:extLst>
           </p:cNvPr>
@@ -46510,25 +46746,14 @@
             <p:ph type="dt" sz="half" idx="10"/>
           </p:nvPr>
         </p:nvSpPr>
-        <p:spPr>
-          <a:xfrm>
-            <a:off x="10016836" y="5878720"/>
-            <a:ext cx="1336964" cy="298800"/>
-          </a:xfrm>
-        </p:spPr>
-        <p:txBody>
-          <a:bodyPr rtlCol="0" anchor="ctr">
-            <a:normAutofit/>
-          </a:bodyPr>
+        <p:spPr/>
+        <p:txBody>
+          <a:bodyPr/>
           <a:lstStyle/>
           <a:p>
-            <a:pPr rtl="0">
-              <a:spcAft>
-                <a:spcPts val="600"/>
-              </a:spcAft>
-            </a:pPr>
+            <a:pPr rtl="0"/>
             <a:r>
-              <a:rPr lang="cs-CZ" dirty="0"/>
+              <a:rPr lang="cs-CZ" noProof="0" dirty="0"/>
               <a:t>17.03.2020</a:t>
             </a:r>
           </a:p>
@@ -46536,10 +46761,10 @@
       </p:sp>
       <p:sp>
         <p:nvSpPr>
-          <p:cNvPr id="2" name="Nadpis 1">
-            <a:extLst>
-              <a:ext uri="{FF2B5EF4-FFF2-40B4-BE49-F238E27FC236}">
-                <a16:creationId xmlns:a16="http://schemas.microsoft.com/office/drawing/2014/main" id="{134CB059-9E3B-4C24-8E61-717292C2944E}"/>
+          <p:cNvPr id="5" name="Nadpis 4">
+            <a:extLst>
+              <a:ext uri="{FF2B5EF4-FFF2-40B4-BE49-F238E27FC236}">
+                <a16:creationId xmlns:a16="http://schemas.microsoft.com/office/drawing/2014/main" id="{3DAA78C3-BB0F-4EAB-AE1C-6784F0CD6EC5}"/>
               </a:ext>
             </a:extLst>
           </p:cNvPr>
@@ -46550,32 +46775,26 @@
             <p:ph type="title"/>
           </p:nvPr>
         </p:nvSpPr>
-        <p:spPr>
-          <a:xfrm>
-            <a:off x="6096000" y="707529"/>
-            <a:ext cx="5314072" cy="569086"/>
-          </a:xfrm>
-        </p:spPr>
-        <p:txBody>
-          <a:bodyPr rtlCol="0" anchor="b">
-            <a:normAutofit/>
+        <p:spPr/>
+        <p:txBody>
+          <a:bodyPr>
+            <a:normAutofit fontScale="90000"/>
           </a:bodyPr>
           <a:lstStyle/>
           <a:p>
-            <a:pPr rtl="0"/>
             <a:r>
               <a:rPr lang="cs-CZ" dirty="0"/>
-              <a:t>Výhody</a:t>
+              <a:t>Tabulka uložených zápasů</a:t>
             </a:r>
           </a:p>
         </p:txBody>
       </p:sp>
       <p:sp>
         <p:nvSpPr>
-          <p:cNvPr id="3" name="Zástupný symbol pro text 2">
-            <a:extLst>
-              <a:ext uri="{FF2B5EF4-FFF2-40B4-BE49-F238E27FC236}">
-                <a16:creationId xmlns:a16="http://schemas.microsoft.com/office/drawing/2014/main" id="{E66139D5-668D-4A3D-B6B6-F71EC385C8FF}"/>
+          <p:cNvPr id="6" name="Zástupný text 5">
+            <a:extLst>
+              <a:ext uri="{FF2B5EF4-FFF2-40B4-BE49-F238E27FC236}">
+                <a16:creationId xmlns:a16="http://schemas.microsoft.com/office/drawing/2014/main" id="{0E78C152-A0B5-4F4A-A477-69247AA51D6E}"/>
               </a:ext>
             </a:extLst>
           </p:cNvPr>
@@ -46583,35 +46802,24 @@
             <a:spLocks noGrp="1"/>
           </p:cNvSpPr>
           <p:nvPr>
-            <p:ph type="body" idx="31"/>
-          </p:nvPr>
-        </p:nvSpPr>
-        <p:spPr>
-          <a:xfrm>
-            <a:off x="6096000" y="2031832"/>
-            <a:ext cx="2915732" cy="360000"/>
-          </a:xfrm>
-        </p:spPr>
-        <p:txBody>
-          <a:bodyPr rtlCol="0" anchor="b">
-            <a:normAutofit/>
-          </a:bodyPr>
+            <p:ph type="body" idx="1"/>
+          </p:nvPr>
+        </p:nvSpPr>
+        <p:spPr/>
+        <p:txBody>
+          <a:bodyPr/>
           <a:lstStyle/>
           <a:p>
-            <a:pPr rtl="0"/>
-            <a:r>
-              <a:rPr lang="cs-CZ" sz="1100" dirty="0"/>
-              <a:t>Oproti jiným „konkurenčním“ časomírám </a:t>
-            </a:r>
-          </a:p>
-        </p:txBody>
-      </p:sp>
-      <p:sp>
-        <p:nvSpPr>
-          <p:cNvPr id="8" name="Zástupný symbol pro text 7">
-            <a:extLst>
-              <a:ext uri="{FF2B5EF4-FFF2-40B4-BE49-F238E27FC236}">
-                <a16:creationId xmlns:a16="http://schemas.microsoft.com/office/drawing/2014/main" id="{EEA947F5-DD66-4D26-BA34-D1D8F7CE9010}"/>
+            <a:endParaRPr lang="cs-CZ" dirty="0"/>
+          </a:p>
+        </p:txBody>
+      </p:sp>
+      <p:sp>
+        <p:nvSpPr>
+          <p:cNvPr id="8" name="Zástupný text 7">
+            <a:extLst>
+              <a:ext uri="{FF2B5EF4-FFF2-40B4-BE49-F238E27FC236}">
+                <a16:creationId xmlns:a16="http://schemas.microsoft.com/office/drawing/2014/main" id="{C32D4BF5-1D07-45FF-948B-25DE02A5CF6D}"/>
               </a:ext>
             </a:extLst>
           </p:cNvPr>
@@ -46619,127 +46827,70 @@
             <a:spLocks noGrp="1"/>
           </p:cNvSpPr>
           <p:nvPr>
-            <p:ph sz="quarter" idx="33"/>
-          </p:nvPr>
-        </p:nvSpPr>
-        <p:spPr>
-          <a:xfrm>
-            <a:off x="6096000" y="2524125"/>
-            <a:ext cx="4970463" cy="2935288"/>
-          </a:xfrm>
-        </p:spPr>
-        <p:txBody>
-          <a:bodyPr rtlCol="0">
-            <a:normAutofit lnSpcReduction="10000"/>
-          </a:bodyPr>
+            <p:ph type="body" idx="14"/>
+          </p:nvPr>
+        </p:nvSpPr>
+        <p:spPr/>
+        <p:txBody>
+          <a:bodyPr/>
           <a:lstStyle/>
           <a:p>
-            <a:pPr rtl="0"/>
-            <a:r>
-              <a:rPr lang="cs-CZ" sz="2400" dirty="0"/>
-              <a:t>Možnost ukládat poslední zápasy</a:t>
-            </a:r>
-          </a:p>
-          <a:p>
-            <a:pPr rtl="0"/>
             <a:endParaRPr lang="cs-CZ" dirty="0"/>
           </a:p>
-          <a:p>
-            <a:pPr rtl="0"/>
-            <a:r>
-              <a:rPr lang="cs-CZ" sz="2400" dirty="0"/>
-              <a:t>Stabilita aplikace</a:t>
-            </a:r>
-          </a:p>
-          <a:p>
-            <a:pPr rtl="0"/>
-            <a:endParaRPr lang="cs-CZ" sz="2400" dirty="0"/>
-          </a:p>
-          <a:p>
-            <a:pPr rtl="0"/>
-            <a:r>
-              <a:rPr lang="cs-CZ" sz="2400" dirty="0"/>
-              <a:t>Rychlost aplikace -&gt; nulové sekání</a:t>
-            </a:r>
-          </a:p>
-          <a:p>
-            <a:pPr rtl="0"/>
-            <a:endParaRPr lang="cs-CZ" sz="2400" dirty="0"/>
-          </a:p>
-          <a:p>
-            <a:pPr rtl="0"/>
-            <a:r>
-              <a:rPr lang="cs-CZ" sz="2400" dirty="0"/>
-              <a:t>Přehlednost a jednoduché ovládání</a:t>
-            </a:r>
-          </a:p>
-          <a:p>
-            <a:pPr marL="0" indent="0" rtl="0">
-              <a:buNone/>
-            </a:pPr>
-            <a:endParaRPr lang="cs-CZ" dirty="0"/>
-          </a:p>
-        </p:txBody>
-      </p:sp>
-      <p:sp>
-        <p:nvSpPr>
-          <p:cNvPr id="17" name="Zástupný symbol obrázku 16">
-            <a:extLst>
-              <a:ext uri="{FF2B5EF4-FFF2-40B4-BE49-F238E27FC236}">
-                <a16:creationId xmlns:a16="http://schemas.microsoft.com/office/drawing/2014/main" id="{DD7F5256-08A1-43CE-9540-7FAD5DD5B040}"/>
-              </a:ext>
-            </a:extLst>
-          </p:cNvPr>
-          <p:cNvSpPr>
-            <a:spLocks noGrp="1"/>
-          </p:cNvSpPr>
-          <p:nvPr>
-            <p:ph type="pic" sz="quarter" idx="13"/>
-          </p:nvPr>
-        </p:nvSpPr>
-        <p:spPr/>
+        </p:txBody>
       </p:sp>
       <p:pic>
         <p:nvPicPr>
-          <p:cNvPr id="21" name="Zástupný symbol obrázku 17" descr="Abstraktní pozadí">
-            <a:extLst>
-              <a:ext uri="{FF2B5EF4-FFF2-40B4-BE49-F238E27FC236}">
-                <a16:creationId xmlns:a16="http://schemas.microsoft.com/office/drawing/2014/main" id="{E27E2B21-1A2B-40AA-8CF8-0F0F679BD858}"/>
+          <p:cNvPr id="15" name="Zástupný symbol obrázku 14" descr="Obsah obrázku snímek obrazovky&#10;&#10;Popis byl vytvořen automaticky">
+            <a:extLst>
+              <a:ext uri="{FF2B5EF4-FFF2-40B4-BE49-F238E27FC236}">
+                <a16:creationId xmlns:a16="http://schemas.microsoft.com/office/drawing/2014/main" id="{0683FB15-9672-4209-9DAA-602EEC3F6E1E}"/>
               </a:ext>
             </a:extLst>
           </p:cNvPr>
           <p:cNvPicPr>
-            <a:picLocks noChangeAspect="1"/>
+            <a:picLocks noGrp="1" noChangeAspect="1"/>
           </p:cNvPicPr>
-          <p:nvPr/>
+          <p:nvPr>
+            <p:ph type="pic" sz="quarter" idx="15"/>
+          </p:nvPr>
         </p:nvPicPr>
         <p:blipFill>
-          <a:blip r:embed="rId3">
-            <a:extLst>
-              <a:ext uri="{28A0092B-C50C-407E-A947-70E740481C1C}">
-                <a14:useLocalDpi xmlns:a14="http://schemas.microsoft.com/office/drawing/2010/main" val="0"/>
-              </a:ext>
-            </a:extLst>
-          </a:blip>
-          <a:srcRect/>
+          <a:blip r:embed="rId3"/>
+          <a:srcRect l="4112" r="4112"/>
           <a:stretch>
             <a:fillRect/>
           </a:stretch>
         </p:blipFill>
         <p:spPr>
           <a:xfrm>
-            <a:off x="248330" y="0"/>
-            <a:ext cx="5245444" cy="5385816"/>
-          </a:xfrm>
-          <a:prstGeom prst="rect">
-            <a:avLst/>
-          </a:prstGeom>
+            <a:off x="157316" y="1900563"/>
+            <a:ext cx="6070289" cy="3721608"/>
+          </a:xfrm>
         </p:spPr>
       </p:pic>
+      <p:sp>
+        <p:nvSpPr>
+          <p:cNvPr id="13" name="Zástupný symbol obrázku 12">
+            <a:extLst>
+              <a:ext uri="{FF2B5EF4-FFF2-40B4-BE49-F238E27FC236}">
+                <a16:creationId xmlns:a16="http://schemas.microsoft.com/office/drawing/2014/main" id="{4E39C4B5-7E3E-40C8-8EB4-4D2B7BC02770}"/>
+              </a:ext>
+            </a:extLst>
+          </p:cNvPr>
+          <p:cNvSpPr>
+            <a:spLocks noGrp="1"/>
+          </p:cNvSpPr>
+          <p:nvPr>
+            <p:ph type="pic" sz="quarter" idx="13"/>
+          </p:nvPr>
+        </p:nvSpPr>
+        <p:spPr/>
+      </p:sp>
     </p:spTree>
     <p:extLst>
       <p:ext uri="{BB962C8B-B14F-4D97-AF65-F5344CB8AC3E}">
-        <p14:creationId xmlns:p14="http://schemas.microsoft.com/office/powerpoint/2010/main" val="3766803063"/>
+        <p14:creationId xmlns:p14="http://schemas.microsoft.com/office/powerpoint/2010/main" val="3360215539"/>
       </p:ext>
     </p:extLst>
   </p:cSld>
@@ -46766,21 +46917,224 @@
           <a:chExt cx="0" cy="0"/>
         </a:xfrm>
       </p:grpSpPr>
+      <p:sp>
+        <p:nvSpPr>
+          <p:cNvPr id="4" name="Zástupný symbol pro datum 3">
+            <a:extLst>
+              <a:ext uri="{FF2B5EF4-FFF2-40B4-BE49-F238E27FC236}">
+                <a16:creationId xmlns:a16="http://schemas.microsoft.com/office/drawing/2014/main" id="{0BA396AE-BE46-43FB-B4E7-224D2AF39F83}"/>
+              </a:ext>
+            </a:extLst>
+          </p:cNvPr>
+          <p:cNvSpPr>
+            <a:spLocks noGrp="1"/>
+          </p:cNvSpPr>
+          <p:nvPr>
+            <p:ph type="dt" sz="half" idx="10"/>
+          </p:nvPr>
+        </p:nvSpPr>
+        <p:spPr>
+          <a:xfrm>
+            <a:off x="10016836" y="5878720"/>
+            <a:ext cx="1336964" cy="298800"/>
+          </a:xfrm>
+        </p:spPr>
+        <p:txBody>
+          <a:bodyPr rtlCol="0" anchor="ctr">
+            <a:normAutofit/>
+          </a:bodyPr>
+          <a:lstStyle/>
+          <a:p>
+            <a:pPr rtl="0">
+              <a:spcAft>
+                <a:spcPts val="600"/>
+              </a:spcAft>
+            </a:pPr>
+            <a:r>
+              <a:rPr lang="cs-CZ" dirty="0"/>
+              <a:t>17.03.2020</a:t>
+            </a:r>
+          </a:p>
+        </p:txBody>
+      </p:sp>
+      <p:sp>
+        <p:nvSpPr>
+          <p:cNvPr id="2" name="Nadpis 1">
+            <a:extLst>
+              <a:ext uri="{FF2B5EF4-FFF2-40B4-BE49-F238E27FC236}">
+                <a16:creationId xmlns:a16="http://schemas.microsoft.com/office/drawing/2014/main" id="{134CB059-9E3B-4C24-8E61-717292C2944E}"/>
+              </a:ext>
+            </a:extLst>
+          </p:cNvPr>
+          <p:cNvSpPr>
+            <a:spLocks noGrp="1"/>
+          </p:cNvSpPr>
+          <p:nvPr>
+            <p:ph type="title"/>
+          </p:nvPr>
+        </p:nvSpPr>
+        <p:spPr>
+          <a:xfrm>
+            <a:off x="6096000" y="707529"/>
+            <a:ext cx="5314072" cy="569086"/>
+          </a:xfrm>
+        </p:spPr>
+        <p:txBody>
+          <a:bodyPr rtlCol="0" anchor="b">
+            <a:normAutofit/>
+          </a:bodyPr>
+          <a:lstStyle/>
+          <a:p>
+            <a:pPr rtl="0"/>
+            <a:r>
+              <a:rPr lang="cs-CZ" dirty="0"/>
+              <a:t>Výhody</a:t>
+            </a:r>
+          </a:p>
+        </p:txBody>
+      </p:sp>
+      <p:sp>
+        <p:nvSpPr>
+          <p:cNvPr id="3" name="Zástupný symbol pro text 2">
+            <a:extLst>
+              <a:ext uri="{FF2B5EF4-FFF2-40B4-BE49-F238E27FC236}">
+                <a16:creationId xmlns:a16="http://schemas.microsoft.com/office/drawing/2014/main" id="{E66139D5-668D-4A3D-B6B6-F71EC385C8FF}"/>
+              </a:ext>
+            </a:extLst>
+          </p:cNvPr>
+          <p:cNvSpPr>
+            <a:spLocks noGrp="1"/>
+          </p:cNvSpPr>
+          <p:nvPr>
+            <p:ph type="body" idx="31"/>
+          </p:nvPr>
+        </p:nvSpPr>
+        <p:spPr>
+          <a:xfrm>
+            <a:off x="6096000" y="2031832"/>
+            <a:ext cx="2915732" cy="360000"/>
+          </a:xfrm>
+        </p:spPr>
+        <p:txBody>
+          <a:bodyPr rtlCol="0" anchor="b">
+            <a:normAutofit/>
+          </a:bodyPr>
+          <a:lstStyle/>
+          <a:p>
+            <a:pPr rtl="0"/>
+            <a:r>
+              <a:rPr lang="cs-CZ" sz="1100" dirty="0"/>
+              <a:t>Oproti jiným „konkurenčním“ časomírám </a:t>
+            </a:r>
+          </a:p>
+        </p:txBody>
+      </p:sp>
+      <p:sp>
+        <p:nvSpPr>
+          <p:cNvPr id="8" name="Zástupný symbol pro text 7">
+            <a:extLst>
+              <a:ext uri="{FF2B5EF4-FFF2-40B4-BE49-F238E27FC236}">
+                <a16:creationId xmlns:a16="http://schemas.microsoft.com/office/drawing/2014/main" id="{EEA947F5-DD66-4D26-BA34-D1D8F7CE9010}"/>
+              </a:ext>
+            </a:extLst>
+          </p:cNvPr>
+          <p:cNvSpPr>
+            <a:spLocks noGrp="1"/>
+          </p:cNvSpPr>
+          <p:nvPr>
+            <p:ph sz="quarter" idx="33"/>
+          </p:nvPr>
+        </p:nvSpPr>
+        <p:spPr>
+          <a:xfrm>
+            <a:off x="6096000" y="2524125"/>
+            <a:ext cx="4970463" cy="2935288"/>
+          </a:xfrm>
+        </p:spPr>
+        <p:txBody>
+          <a:bodyPr rtlCol="0">
+            <a:normAutofit lnSpcReduction="10000"/>
+          </a:bodyPr>
+          <a:lstStyle/>
+          <a:p>
+            <a:pPr rtl="0"/>
+            <a:r>
+              <a:rPr lang="cs-CZ" sz="2400" dirty="0"/>
+              <a:t>Možnost ukládat poslední zápasy</a:t>
+            </a:r>
+          </a:p>
+          <a:p>
+            <a:pPr rtl="0"/>
+            <a:endParaRPr lang="cs-CZ" dirty="0"/>
+          </a:p>
+          <a:p>
+            <a:pPr rtl="0"/>
+            <a:r>
+              <a:rPr lang="cs-CZ" sz="2400" dirty="0"/>
+              <a:t>Stabilita aplikace</a:t>
+            </a:r>
+          </a:p>
+          <a:p>
+            <a:pPr rtl="0"/>
+            <a:endParaRPr lang="cs-CZ" sz="2400" dirty="0"/>
+          </a:p>
+          <a:p>
+            <a:pPr rtl="0"/>
+            <a:r>
+              <a:rPr lang="cs-CZ" sz="2400" dirty="0"/>
+              <a:t>Rychlost aplikace -&gt; nulové sekání</a:t>
+            </a:r>
+          </a:p>
+          <a:p>
+            <a:pPr rtl="0"/>
+            <a:endParaRPr lang="cs-CZ" sz="2400" dirty="0"/>
+          </a:p>
+          <a:p>
+            <a:pPr rtl="0"/>
+            <a:r>
+              <a:rPr lang="cs-CZ" sz="2400" dirty="0"/>
+              <a:t>Přehlednost a jednoduché ovládání</a:t>
+            </a:r>
+          </a:p>
+          <a:p>
+            <a:pPr marL="0" indent="0" rtl="0">
+              <a:buNone/>
+            </a:pPr>
+            <a:endParaRPr lang="cs-CZ" dirty="0"/>
+          </a:p>
+        </p:txBody>
+      </p:sp>
+      <p:sp>
+        <p:nvSpPr>
+          <p:cNvPr id="17" name="Zástupný symbol obrázku 16">
+            <a:extLst>
+              <a:ext uri="{FF2B5EF4-FFF2-40B4-BE49-F238E27FC236}">
+                <a16:creationId xmlns:a16="http://schemas.microsoft.com/office/drawing/2014/main" id="{DD7F5256-08A1-43CE-9540-7FAD5DD5B040}"/>
+              </a:ext>
+            </a:extLst>
+          </p:cNvPr>
+          <p:cNvSpPr>
+            <a:spLocks noGrp="1"/>
+          </p:cNvSpPr>
+          <p:nvPr>
+            <p:ph type="pic" sz="quarter" idx="13"/>
+          </p:nvPr>
+        </p:nvSpPr>
+        <p:spPr/>
+      </p:sp>
       <p:pic>
         <p:nvPicPr>
-          <p:cNvPr id="20" name="Zástupný symbol obrázku 19" descr="Abstraktní pozadí">
-            <a:extLst>
-              <a:ext uri="{FF2B5EF4-FFF2-40B4-BE49-F238E27FC236}">
-                <a16:creationId xmlns:a16="http://schemas.microsoft.com/office/drawing/2014/main" id="{B9CF847D-0BA8-4D40-B95D-DAC8A415A56D}"/>
+          <p:cNvPr id="21" name="Zástupný symbol obrázku 17" descr="Abstraktní pozadí">
+            <a:extLst>
+              <a:ext uri="{FF2B5EF4-FFF2-40B4-BE49-F238E27FC236}">
+                <a16:creationId xmlns:a16="http://schemas.microsoft.com/office/drawing/2014/main" id="{E27E2B21-1A2B-40AA-8CF8-0F0F679BD858}"/>
               </a:ext>
             </a:extLst>
           </p:cNvPr>
           <p:cNvPicPr>
-            <a:picLocks noGrp="1" noChangeAspect="1"/>
+            <a:picLocks noChangeAspect="1"/>
           </p:cNvPicPr>
-          <p:nvPr>
-            <p:ph type="pic" sz="quarter" idx="15"/>
-          </p:nvPr>
+          <p:nvPr/>
         </p:nvPicPr>
         <p:blipFill>
           <a:blip r:embed="rId3">
@@ -46795,179 +47149,20 @@
             <a:fillRect/>
           </a:stretch>
         </p:blipFill>
-        <p:spPr/>
+        <p:spPr>
+          <a:xfrm>
+            <a:off x="248330" y="0"/>
+            <a:ext cx="5245444" cy="5385816"/>
+          </a:xfrm>
+          <a:prstGeom prst="rect">
+            <a:avLst/>
+          </a:prstGeom>
+        </p:spPr>
       </p:pic>
-      <p:sp>
-        <p:nvSpPr>
-          <p:cNvPr id="5" name="Nadpis 4">
-            <a:extLst>
-              <a:ext uri="{FF2B5EF4-FFF2-40B4-BE49-F238E27FC236}">
-                <a16:creationId xmlns:a16="http://schemas.microsoft.com/office/drawing/2014/main" id="{953F70E9-6111-446A-BD49-B6A996FA030D}"/>
-              </a:ext>
-            </a:extLst>
-          </p:cNvPr>
-          <p:cNvSpPr>
-            <a:spLocks noGrp="1"/>
-          </p:cNvSpPr>
-          <p:nvPr>
-            <p:ph type="title"/>
-          </p:nvPr>
-        </p:nvSpPr>
-        <p:spPr/>
-        <p:txBody>
-          <a:bodyPr rtlCol="0"/>
-          <a:lstStyle/>
-          <a:p>
-            <a:pPr rtl="0"/>
-            <a:r>
-              <a:rPr lang="cs-CZ" dirty="0"/>
-              <a:t>SOUHRN</a:t>
-            </a:r>
-          </a:p>
-        </p:txBody>
-      </p:sp>
-      <p:sp>
-        <p:nvSpPr>
-          <p:cNvPr id="6" name="Zástupný symbol pro text 5">
-            <a:extLst>
-              <a:ext uri="{FF2B5EF4-FFF2-40B4-BE49-F238E27FC236}">
-                <a16:creationId xmlns:a16="http://schemas.microsoft.com/office/drawing/2014/main" id="{33221DE2-465E-4B89-BDBB-17EC727932B0}"/>
-              </a:ext>
-            </a:extLst>
-          </p:cNvPr>
-          <p:cNvSpPr>
-            <a:spLocks noGrp="1"/>
-          </p:cNvSpPr>
-          <p:nvPr>
-            <p:ph type="body" idx="1"/>
-          </p:nvPr>
-        </p:nvSpPr>
-        <p:spPr/>
-        <p:txBody>
-          <a:bodyPr rtlCol="0"/>
-          <a:lstStyle/>
-          <a:p>
-            <a:pPr rtl="0"/>
-            <a:r>
-              <a:rPr lang="cs-CZ" dirty="0"/>
-              <a:t>Aplikace pro měření času a skóre</a:t>
-            </a:r>
-          </a:p>
-        </p:txBody>
-      </p:sp>
-      <p:sp>
-        <p:nvSpPr>
-          <p:cNvPr id="8" name="Zástupný symbol pro text 7">
-            <a:extLst>
-              <a:ext uri="{FF2B5EF4-FFF2-40B4-BE49-F238E27FC236}">
-                <a16:creationId xmlns:a16="http://schemas.microsoft.com/office/drawing/2014/main" id="{7F9E6494-1485-4A3D-8CD3-31B5FAC16899}"/>
-              </a:ext>
-            </a:extLst>
-          </p:cNvPr>
-          <p:cNvSpPr>
-            <a:spLocks noGrp="1"/>
-          </p:cNvSpPr>
-          <p:nvPr>
-            <p:ph type="body" idx="14"/>
-          </p:nvPr>
-        </p:nvSpPr>
-        <p:spPr/>
-        <p:txBody>
-          <a:bodyPr rtlCol="0"/>
-          <a:lstStyle/>
-          <a:p>
-            <a:pPr rtl="0"/>
-            <a:r>
-              <a:rPr lang="cs-CZ" dirty="0"/>
-              <a:t>Jednoduchá aplikace na florbalové zápasy</a:t>
-            </a:r>
-          </a:p>
-          <a:p>
-            <a:pPr rtl="0"/>
-            <a:endParaRPr lang="cs-CZ" dirty="0"/>
-          </a:p>
-          <a:p>
-            <a:pPr rtl="0"/>
-            <a:r>
-              <a:rPr lang="cs-CZ" dirty="0"/>
-              <a:t>Počítání gólů a měření času</a:t>
-            </a:r>
-          </a:p>
-          <a:p>
-            <a:pPr rtl="0"/>
-            <a:endParaRPr lang="cs-CZ" dirty="0"/>
-          </a:p>
-          <a:p>
-            <a:pPr rtl="0"/>
-            <a:r>
-              <a:rPr lang="cs-CZ" dirty="0"/>
-              <a:t>Ovládání které zvládne každý</a:t>
-            </a:r>
-          </a:p>
-          <a:p>
-            <a:pPr rtl="0"/>
-            <a:endParaRPr lang="cs-CZ" dirty="0"/>
-          </a:p>
-          <a:p>
-            <a:pPr rtl="0"/>
-            <a:r>
-              <a:rPr lang="cs-CZ" dirty="0"/>
-              <a:t>Rychlá a bezproblémová aplikace</a:t>
-            </a:r>
-          </a:p>
-        </p:txBody>
-      </p:sp>
-      <p:sp>
-        <p:nvSpPr>
-          <p:cNvPr id="2" name="Zástupný symbol pro datum 1">
-            <a:extLst>
-              <a:ext uri="{FF2B5EF4-FFF2-40B4-BE49-F238E27FC236}">
-                <a16:creationId xmlns:a16="http://schemas.microsoft.com/office/drawing/2014/main" id="{2ACC7CD0-CDEF-499B-929F-253562EB810A}"/>
-              </a:ext>
-            </a:extLst>
-          </p:cNvPr>
-          <p:cNvSpPr>
-            <a:spLocks noGrp="1"/>
-          </p:cNvSpPr>
-          <p:nvPr>
-            <p:ph type="dt" sz="half" idx="10"/>
-          </p:nvPr>
-        </p:nvSpPr>
-        <p:spPr/>
-        <p:txBody>
-          <a:bodyPr rtlCol="0"/>
-          <a:lstStyle/>
-          <a:p>
-            <a:pPr rtl="0"/>
-            <a:r>
-              <a:rPr lang="cs-CZ" dirty="0"/>
-              <a:t>17.03.2020</a:t>
-            </a:r>
-          </a:p>
-        </p:txBody>
-      </p:sp>
-      <p:sp>
-        <p:nvSpPr>
-          <p:cNvPr id="9" name="Zástupný symbol obrázku 8">
-            <a:extLst>
-              <a:ext uri="{FF2B5EF4-FFF2-40B4-BE49-F238E27FC236}">
-                <a16:creationId xmlns:a16="http://schemas.microsoft.com/office/drawing/2014/main" id="{0C595F26-85B2-4FF7-AB85-C07201C5C08A}"/>
-              </a:ext>
-            </a:extLst>
-          </p:cNvPr>
-          <p:cNvSpPr>
-            <a:spLocks noGrp="1"/>
-          </p:cNvSpPr>
-          <p:nvPr>
-            <p:ph type="pic" sz="quarter" idx="13"/>
-          </p:nvPr>
-        </p:nvSpPr>
-        <p:spPr/>
-      </p:sp>
     </p:spTree>
     <p:extLst>
       <p:ext uri="{BB962C8B-B14F-4D97-AF65-F5344CB8AC3E}">
-        <p14:creationId xmlns:p14="http://schemas.microsoft.com/office/powerpoint/2010/main" val="202239174"/>
+        <p14:creationId xmlns:p14="http://schemas.microsoft.com/office/powerpoint/2010/main" val="3766803063"/>
       </p:ext>
     </p:extLst>
   </p:cSld>
@@ -46994,80 +47189,12 @@
           <a:chExt cx="0" cy="0"/>
         </a:xfrm>
       </p:grpSpPr>
-      <p:sp>
-        <p:nvSpPr>
-          <p:cNvPr id="6" name="Nadpis 5">
-            <a:extLst>
-              <a:ext uri="{FF2B5EF4-FFF2-40B4-BE49-F238E27FC236}">
-                <a16:creationId xmlns:a16="http://schemas.microsoft.com/office/drawing/2014/main" id="{D2F9A33A-E955-4DFB-9469-3FDBA6703985}"/>
-              </a:ext>
-            </a:extLst>
-          </p:cNvPr>
-          <p:cNvSpPr>
-            <a:spLocks noGrp="1"/>
-          </p:cNvSpPr>
-          <p:nvPr>
-            <p:ph type="title"/>
-          </p:nvPr>
-        </p:nvSpPr>
-        <p:spPr>
-          <a:xfrm>
-            <a:off x="564700" y="205475"/>
-            <a:ext cx="4846923" cy="1507462"/>
-          </a:xfrm>
-        </p:spPr>
-        <p:txBody>
-          <a:bodyPr rtlCol="0"/>
-          <a:lstStyle/>
-          <a:p>
-            <a:pPr rtl="0"/>
-            <a:r>
-              <a:rPr lang="cs-CZ" sz="5000" dirty="0"/>
-              <a:t>DĚKUJI ZA POZORNOST!</a:t>
-            </a:r>
-          </a:p>
-        </p:txBody>
-      </p:sp>
-      <p:sp>
-        <p:nvSpPr>
-          <p:cNvPr id="7" name="Zástupný symbol pro text 6">
-            <a:extLst>
-              <a:ext uri="{FF2B5EF4-FFF2-40B4-BE49-F238E27FC236}">
-                <a16:creationId xmlns:a16="http://schemas.microsoft.com/office/drawing/2014/main" id="{58804881-51D2-4A81-BABB-704FBED23EB9}"/>
-              </a:ext>
-            </a:extLst>
-          </p:cNvPr>
-          <p:cNvSpPr>
-            <a:spLocks noGrp="1"/>
-          </p:cNvSpPr>
-          <p:nvPr>
-            <p:ph type="body" sz="quarter" idx="15"/>
-          </p:nvPr>
-        </p:nvSpPr>
-        <p:spPr>
-          <a:xfrm>
-            <a:off x="831850" y="1953250"/>
-            <a:ext cx="4586288" cy="509472"/>
-          </a:xfrm>
-        </p:spPr>
-        <p:txBody>
-          <a:bodyPr rtlCol="0"/>
-          <a:lstStyle/>
-          <a:p>
-            <a:pPr rtl="0"/>
-            <a:r>
-              <a:rPr lang="cs-CZ" dirty="0"/>
-              <a:t>Jan Pelikán</a:t>
-            </a:r>
-          </a:p>
-        </p:txBody>
-      </p:sp>
       <p:pic>
         <p:nvPicPr>
-          <p:cNvPr id="15" name="Zástupný symbol obrázku 14" descr="Abstraktní pozadí">
-            <a:extLst>
-              <a:ext uri="{FF2B5EF4-FFF2-40B4-BE49-F238E27FC236}">
-                <a16:creationId xmlns:a16="http://schemas.microsoft.com/office/drawing/2014/main" id="{72AD0CC3-F8DE-4C10-916A-24BC65B1D283}"/>
+          <p:cNvPr id="20" name="Zástupný symbol obrázku 19" descr="Abstraktní pozadí">
+            <a:extLst>
+              <a:ext uri="{FF2B5EF4-FFF2-40B4-BE49-F238E27FC236}">
+                <a16:creationId xmlns:a16="http://schemas.microsoft.com/office/drawing/2014/main" id="{B9CF847D-0BA8-4D40-B95D-DAC8A415A56D}"/>
               </a:ext>
             </a:extLst>
           </p:cNvPr>
@@ -47075,7 +47202,7 @@
             <a:picLocks noGrp="1" noChangeAspect="1"/>
           </p:cNvPicPr>
           <p:nvPr>
-            <p:ph type="pic" sz="quarter" idx="22"/>
+            <p:ph type="pic" sz="quarter" idx="15"/>
           </p:nvPr>
         </p:nvPicPr>
         <p:blipFill>
@@ -47095,10 +47222,10 @@
       </p:pic>
       <p:sp>
         <p:nvSpPr>
-          <p:cNvPr id="4" name="Zástupný symbol obrázku 3">
-            <a:extLst>
-              <a:ext uri="{FF2B5EF4-FFF2-40B4-BE49-F238E27FC236}">
-                <a16:creationId xmlns:a16="http://schemas.microsoft.com/office/drawing/2014/main" id="{CEB25998-FC5F-47DD-A4C3-4C0B1CF6F01D}"/>
+          <p:cNvPr id="5" name="Nadpis 4">
+            <a:extLst>
+              <a:ext uri="{FF2B5EF4-FFF2-40B4-BE49-F238E27FC236}">
+                <a16:creationId xmlns:a16="http://schemas.microsoft.com/office/drawing/2014/main" id="{953F70E9-6111-446A-BD49-B6A996FA030D}"/>
               </a:ext>
             </a:extLst>
           </p:cNvPr>
@@ -47106,6 +47233,155 @@
             <a:spLocks noGrp="1"/>
           </p:cNvSpPr>
           <p:nvPr>
+            <p:ph type="title"/>
+          </p:nvPr>
+        </p:nvSpPr>
+        <p:spPr/>
+        <p:txBody>
+          <a:bodyPr rtlCol="0"/>
+          <a:lstStyle/>
+          <a:p>
+            <a:pPr rtl="0"/>
+            <a:r>
+              <a:rPr lang="cs-CZ" dirty="0"/>
+              <a:t>SOUHRN</a:t>
+            </a:r>
+          </a:p>
+        </p:txBody>
+      </p:sp>
+      <p:sp>
+        <p:nvSpPr>
+          <p:cNvPr id="6" name="Zástupný symbol pro text 5">
+            <a:extLst>
+              <a:ext uri="{FF2B5EF4-FFF2-40B4-BE49-F238E27FC236}">
+                <a16:creationId xmlns:a16="http://schemas.microsoft.com/office/drawing/2014/main" id="{33221DE2-465E-4B89-BDBB-17EC727932B0}"/>
+              </a:ext>
+            </a:extLst>
+          </p:cNvPr>
+          <p:cNvSpPr>
+            <a:spLocks noGrp="1"/>
+          </p:cNvSpPr>
+          <p:nvPr>
+            <p:ph type="body" idx="1"/>
+          </p:nvPr>
+        </p:nvSpPr>
+        <p:spPr/>
+        <p:txBody>
+          <a:bodyPr rtlCol="0"/>
+          <a:lstStyle/>
+          <a:p>
+            <a:pPr rtl="0"/>
+            <a:r>
+              <a:rPr lang="cs-CZ" dirty="0"/>
+              <a:t>Aplikace pro měření času a skóre</a:t>
+            </a:r>
+          </a:p>
+        </p:txBody>
+      </p:sp>
+      <p:sp>
+        <p:nvSpPr>
+          <p:cNvPr id="8" name="Zástupný symbol pro text 7">
+            <a:extLst>
+              <a:ext uri="{FF2B5EF4-FFF2-40B4-BE49-F238E27FC236}">
+                <a16:creationId xmlns:a16="http://schemas.microsoft.com/office/drawing/2014/main" id="{7F9E6494-1485-4A3D-8CD3-31B5FAC16899}"/>
+              </a:ext>
+            </a:extLst>
+          </p:cNvPr>
+          <p:cNvSpPr>
+            <a:spLocks noGrp="1"/>
+          </p:cNvSpPr>
+          <p:nvPr>
+            <p:ph type="body" idx="14"/>
+          </p:nvPr>
+        </p:nvSpPr>
+        <p:spPr/>
+        <p:txBody>
+          <a:bodyPr rtlCol="0"/>
+          <a:lstStyle/>
+          <a:p>
+            <a:pPr rtl="0"/>
+            <a:r>
+              <a:rPr lang="cs-CZ" dirty="0"/>
+              <a:t>Jednoduchá aplikace na florbalové zápasy</a:t>
+            </a:r>
+          </a:p>
+          <a:p>
+            <a:pPr rtl="0"/>
+            <a:endParaRPr lang="cs-CZ" dirty="0"/>
+          </a:p>
+          <a:p>
+            <a:pPr rtl="0"/>
+            <a:r>
+              <a:rPr lang="cs-CZ" dirty="0"/>
+              <a:t>Počítání gólů a měření času</a:t>
+            </a:r>
+          </a:p>
+          <a:p>
+            <a:pPr rtl="0"/>
+            <a:endParaRPr lang="cs-CZ" dirty="0"/>
+          </a:p>
+          <a:p>
+            <a:pPr rtl="0"/>
+            <a:r>
+              <a:rPr lang="cs-CZ" dirty="0"/>
+              <a:t>Ovládání které zvládne každý</a:t>
+            </a:r>
+          </a:p>
+          <a:p>
+            <a:pPr rtl="0"/>
+            <a:endParaRPr lang="cs-CZ" dirty="0"/>
+          </a:p>
+          <a:p>
+            <a:pPr rtl="0"/>
+            <a:r>
+              <a:rPr lang="cs-CZ" dirty="0"/>
+              <a:t>Rychlá a bezproblémová aplikace</a:t>
+            </a:r>
+          </a:p>
+        </p:txBody>
+      </p:sp>
+      <p:sp>
+        <p:nvSpPr>
+          <p:cNvPr id="2" name="Zástupný symbol pro datum 1">
+            <a:extLst>
+              <a:ext uri="{FF2B5EF4-FFF2-40B4-BE49-F238E27FC236}">
+                <a16:creationId xmlns:a16="http://schemas.microsoft.com/office/drawing/2014/main" id="{2ACC7CD0-CDEF-499B-929F-253562EB810A}"/>
+              </a:ext>
+            </a:extLst>
+          </p:cNvPr>
+          <p:cNvSpPr>
+            <a:spLocks noGrp="1"/>
+          </p:cNvSpPr>
+          <p:nvPr>
+            <p:ph type="dt" sz="half" idx="10"/>
+          </p:nvPr>
+        </p:nvSpPr>
+        <p:spPr/>
+        <p:txBody>
+          <a:bodyPr rtlCol="0"/>
+          <a:lstStyle/>
+          <a:p>
+            <a:pPr rtl="0"/>
+            <a:r>
+              <a:rPr lang="cs-CZ" dirty="0"/>
+              <a:t>17.03.2020</a:t>
+            </a:r>
+          </a:p>
+        </p:txBody>
+      </p:sp>
+      <p:sp>
+        <p:nvSpPr>
+          <p:cNvPr id="9" name="Zástupný symbol obrázku 8">
+            <a:extLst>
+              <a:ext uri="{FF2B5EF4-FFF2-40B4-BE49-F238E27FC236}">
+                <a16:creationId xmlns:a16="http://schemas.microsoft.com/office/drawing/2014/main" id="{0C595F26-85B2-4FF7-AB85-C07201C5C08A}"/>
+              </a:ext>
+            </a:extLst>
+          </p:cNvPr>
+          <p:cNvSpPr>
+            <a:spLocks noGrp="1"/>
+          </p:cNvSpPr>
+          <p:nvPr>
             <p:ph type="pic" sz="quarter" idx="13"/>
           </p:nvPr>
         </p:nvSpPr>
@@ -47114,7 +47390,7 @@
     </p:spTree>
     <p:extLst>
       <p:ext uri="{BB962C8B-B14F-4D97-AF65-F5344CB8AC3E}">
-        <p14:creationId xmlns:p14="http://schemas.microsoft.com/office/powerpoint/2010/main" val="2695672276"/>
+        <p14:creationId xmlns:p14="http://schemas.microsoft.com/office/powerpoint/2010/main" val="202239174"/>
       </p:ext>
     </p:extLst>
   </p:cSld>
